--- a/resources/Competency Roles.pptx
+++ b/resources/Competency Roles.pptx
@@ -104,6 +104,11 @@
       </a:defRPr>
     </a:lvl9pPr>
   </p:defaultTextStyle>
+  <p:extLst>
+    <p:ext uri="{EFAFB233-063F-42B5-8137-9DF3F51BA10A}">
+      <p15:sldGuideLst xmlns:p15="http://schemas.microsoft.com/office/powerpoint/2012/main"/>
+    </p:ext>
+  </p:extLst>
 </p:presentation>
 </file>
 
@@ -254,7 +259,7 @@
           <a:p>
             <a:fld id="{4E252D9C-99D4-44C1-BE02-E21455590267}" type="datetimeFigureOut">
               <a:rPr lang="en-US" smtClean="0"/>
-              <a:t>10/31/2022</a:t>
+              <a:t>11/2/2022</a:t>
             </a:fld>
             <a:endParaRPr lang="en-US"/>
           </a:p>
@@ -452,7 +457,7 @@
           <a:p>
             <a:fld id="{4E252D9C-99D4-44C1-BE02-E21455590267}" type="datetimeFigureOut">
               <a:rPr lang="en-US" smtClean="0"/>
-              <a:t>10/31/2022</a:t>
+              <a:t>11/2/2022</a:t>
             </a:fld>
             <a:endParaRPr lang="en-US"/>
           </a:p>
@@ -660,7 +665,7 @@
           <a:p>
             <a:fld id="{4E252D9C-99D4-44C1-BE02-E21455590267}" type="datetimeFigureOut">
               <a:rPr lang="en-US" smtClean="0"/>
-              <a:t>10/31/2022</a:t>
+              <a:t>11/2/2022</a:t>
             </a:fld>
             <a:endParaRPr lang="en-US"/>
           </a:p>
@@ -858,7 +863,7 @@
           <a:p>
             <a:fld id="{4E252D9C-99D4-44C1-BE02-E21455590267}" type="datetimeFigureOut">
               <a:rPr lang="en-US" smtClean="0"/>
-              <a:t>10/31/2022</a:t>
+              <a:t>11/2/2022</a:t>
             </a:fld>
             <a:endParaRPr lang="en-US"/>
           </a:p>
@@ -1133,7 +1138,7 @@
           <a:p>
             <a:fld id="{4E252D9C-99D4-44C1-BE02-E21455590267}" type="datetimeFigureOut">
               <a:rPr lang="en-US" smtClean="0"/>
-              <a:t>10/31/2022</a:t>
+              <a:t>11/2/2022</a:t>
             </a:fld>
             <a:endParaRPr lang="en-US"/>
           </a:p>
@@ -1398,7 +1403,7 @@
           <a:p>
             <a:fld id="{4E252D9C-99D4-44C1-BE02-E21455590267}" type="datetimeFigureOut">
               <a:rPr lang="en-US" smtClean="0"/>
-              <a:t>10/31/2022</a:t>
+              <a:t>11/2/2022</a:t>
             </a:fld>
             <a:endParaRPr lang="en-US"/>
           </a:p>
@@ -1810,7 +1815,7 @@
           <a:p>
             <a:fld id="{4E252D9C-99D4-44C1-BE02-E21455590267}" type="datetimeFigureOut">
               <a:rPr lang="en-US" smtClean="0"/>
-              <a:t>10/31/2022</a:t>
+              <a:t>11/2/2022</a:t>
             </a:fld>
             <a:endParaRPr lang="en-US"/>
           </a:p>
@@ -1951,7 +1956,7 @@
           <a:p>
             <a:fld id="{4E252D9C-99D4-44C1-BE02-E21455590267}" type="datetimeFigureOut">
               <a:rPr lang="en-US" smtClean="0"/>
-              <a:t>10/31/2022</a:t>
+              <a:t>11/2/2022</a:t>
             </a:fld>
             <a:endParaRPr lang="en-US"/>
           </a:p>
@@ -2064,7 +2069,7 @@
           <a:p>
             <a:fld id="{4E252D9C-99D4-44C1-BE02-E21455590267}" type="datetimeFigureOut">
               <a:rPr lang="en-US" smtClean="0"/>
-              <a:t>10/31/2022</a:t>
+              <a:t>11/2/2022</a:t>
             </a:fld>
             <a:endParaRPr lang="en-US"/>
           </a:p>
@@ -2375,7 +2380,7 @@
           <a:p>
             <a:fld id="{4E252D9C-99D4-44C1-BE02-E21455590267}" type="datetimeFigureOut">
               <a:rPr lang="en-US" smtClean="0"/>
-              <a:t>10/31/2022</a:t>
+              <a:t>11/2/2022</a:t>
             </a:fld>
             <a:endParaRPr lang="en-US"/>
           </a:p>
@@ -2663,7 +2668,7 @@
           <a:p>
             <a:fld id="{4E252D9C-99D4-44C1-BE02-E21455590267}" type="datetimeFigureOut">
               <a:rPr lang="en-US" smtClean="0"/>
-              <a:t>10/31/2022</a:t>
+              <a:t>11/2/2022</a:t>
             </a:fld>
             <a:endParaRPr lang="en-US"/>
           </a:p>
@@ -2904,7 +2909,7 @@
           <a:p>
             <a:fld id="{4E252D9C-99D4-44C1-BE02-E21455590267}" type="datetimeFigureOut">
               <a:rPr lang="en-US" smtClean="0"/>
-              <a:t>10/31/2022</a:t>
+              <a:t>11/2/2022</a:t>
             </a:fld>
             <a:endParaRPr lang="en-US"/>
           </a:p>
@@ -3335,7 +3340,7 @@
         </p:nvSpPr>
         <p:spPr>
           <a:xfrm>
-            <a:off x="3183593" y="2367184"/>
+            <a:off x="3332049" y="2310810"/>
             <a:ext cx="1339337" cy="757682"/>
           </a:xfrm>
           <a:prstGeom prst="rect">
@@ -3384,7 +3389,7 @@
         </p:nvSpPr>
         <p:spPr>
           <a:xfrm>
-            <a:off x="4867925" y="905469"/>
+            <a:off x="4867925" y="587417"/>
             <a:ext cx="1339337" cy="757682"/>
           </a:xfrm>
           <a:prstGeom prst="rect">
@@ -3433,7 +3438,7 @@
         </p:nvSpPr>
         <p:spPr>
           <a:xfrm>
-            <a:off x="5947544" y="2367184"/>
+            <a:off x="6096000" y="2310810"/>
             <a:ext cx="1339337" cy="757682"/>
           </a:xfrm>
           <a:prstGeom prst="rect">
@@ -3482,7 +3487,7 @@
         </p:nvSpPr>
         <p:spPr>
           <a:xfrm>
-            <a:off x="4867925" y="3828899"/>
+            <a:off x="5016381" y="4034203"/>
             <a:ext cx="1339337" cy="757682"/>
           </a:xfrm>
           <a:prstGeom prst="rect">
@@ -3531,7 +3536,7 @@
         </p:nvSpPr>
         <p:spPr>
           <a:xfrm>
-            <a:off x="7088099" y="3828899"/>
+            <a:off x="7236555" y="4034203"/>
             <a:ext cx="1339337" cy="757682"/>
           </a:xfrm>
           <a:prstGeom prst="rect">
@@ -3580,7 +3585,7 @@
         </p:nvSpPr>
         <p:spPr>
           <a:xfrm>
-            <a:off x="8155331" y="5274712"/>
+            <a:off x="8403449" y="5742409"/>
             <a:ext cx="1339337" cy="757682"/>
           </a:xfrm>
           <a:prstGeom prst="rect">
@@ -3632,8 +3637,8 @@
         </p:nvCxnSpPr>
         <p:spPr>
           <a:xfrm rot="16200000" flipV="1">
-            <a:off x="7947319" y="4397031"/>
-            <a:ext cx="688131" cy="1067232"/>
+            <a:off x="8014409" y="4683700"/>
+            <a:ext cx="950524" cy="1166894"/>
           </a:xfrm>
           <a:prstGeom prst="curvedConnector3">
             <a:avLst/>
@@ -3657,41 +3662,6 @@
           </a:fontRef>
         </p:style>
       </p:cxnSp>
-      <p:sp>
-        <p:nvSpPr>
-          <p:cNvPr id="12" name="TextBox 11">
-            <a:extLst>
-              <a:ext uri="{FF2B5EF4-FFF2-40B4-BE49-F238E27FC236}">
-                <a16:creationId xmlns:a16="http://schemas.microsoft.com/office/drawing/2014/main" id="{1A784181-564E-49D8-9F24-3BD3E3F5FCF2}"/>
-              </a:ext>
-            </a:extLst>
-          </p:cNvPr>
-          <p:cNvSpPr txBox="1"/>
-          <p:nvPr/>
-        </p:nvSpPr>
-        <p:spPr>
-          <a:xfrm rot="973627">
-            <a:off x="7983363" y="4704531"/>
-            <a:ext cx="1160891" cy="276999"/>
-          </a:xfrm>
-          <a:prstGeom prst="rect">
-            <a:avLst/>
-          </a:prstGeom>
-          <a:noFill/>
-        </p:spPr>
-        <p:txBody>
-          <a:bodyPr wrap="square" rtlCol="0">
-            <a:spAutoFit/>
-          </a:bodyPr>
-          <a:lstStyle/>
-          <a:p>
-            <a:r>
-              <a:rPr lang="en-US" sz="1200" dirty="0"/>
-              <a:t>Accountable To</a:t>
-            </a:r>
-          </a:p>
-        </p:txBody>
-      </p:sp>
       <p:cxnSp>
         <p:nvCxnSpPr>
           <p:cNvPr id="13" name="Connector: Curved 12">
@@ -3710,8 +3680,8 @@
         </p:nvCxnSpPr>
         <p:spPr>
           <a:xfrm rot="16200000" flipV="1">
-            <a:off x="6835475" y="2906605"/>
-            <a:ext cx="704033" cy="1140555"/>
+            <a:off x="6853092" y="2981070"/>
+            <a:ext cx="965711" cy="1140555"/>
           </a:xfrm>
           <a:prstGeom prst="curvedConnector3">
             <a:avLst>
@@ -3737,41 +3707,6 @@
           </a:fontRef>
         </p:style>
       </p:cxnSp>
-      <p:sp>
-        <p:nvSpPr>
-          <p:cNvPr id="16" name="TextBox 15">
-            <a:extLst>
-              <a:ext uri="{FF2B5EF4-FFF2-40B4-BE49-F238E27FC236}">
-                <a16:creationId xmlns:a16="http://schemas.microsoft.com/office/drawing/2014/main" id="{DD902A81-066B-7F90-E615-D5944855F5E1}"/>
-              </a:ext>
-            </a:extLst>
-          </p:cNvPr>
-          <p:cNvSpPr txBox="1"/>
-          <p:nvPr/>
-        </p:nvSpPr>
-        <p:spPr>
-          <a:xfrm rot="973627">
-            <a:off x="6930203" y="3262835"/>
-            <a:ext cx="1160891" cy="276999"/>
-          </a:xfrm>
-          <a:prstGeom prst="rect">
-            <a:avLst/>
-          </a:prstGeom>
-          <a:noFill/>
-        </p:spPr>
-        <p:txBody>
-          <a:bodyPr wrap="square" rtlCol="0">
-            <a:spAutoFit/>
-          </a:bodyPr>
-          <a:lstStyle/>
-          <a:p>
-            <a:r>
-              <a:rPr lang="en-US" sz="1200" dirty="0"/>
-              <a:t>Accountable To</a:t>
-            </a:r>
-          </a:p>
-        </p:txBody>
-      </p:sp>
       <p:cxnSp>
         <p:nvCxnSpPr>
           <p:cNvPr id="17" name="Connector: Curved 16">
@@ -3790,8 +3725,8 @@
         </p:nvCxnSpPr>
         <p:spPr>
           <a:xfrm rot="16200000" flipV="1">
-            <a:off x="5725388" y="1475358"/>
-            <a:ext cx="704033" cy="1079619"/>
+            <a:off x="5668777" y="1213917"/>
+            <a:ext cx="965711" cy="1228075"/>
           </a:xfrm>
           <a:prstGeom prst="curvedConnector3">
             <a:avLst>
@@ -3830,9 +3765,9 @@
           <p:nvPr/>
         </p:nvSpPr>
         <p:spPr>
-          <a:xfrm rot="973627">
-            <a:off x="5816400" y="1820169"/>
-            <a:ext cx="1160891" cy="276999"/>
+          <a:xfrm rot="1755757">
+            <a:off x="6051105" y="1493107"/>
+            <a:ext cx="1160891" cy="461665"/>
           </a:xfrm>
           <a:prstGeom prst="rect">
             <a:avLst/>
@@ -3845,9 +3780,10 @@
           </a:bodyPr>
           <a:lstStyle/>
           <a:p>
+            <a:pPr algn="ctr"/>
             <a:r>
               <a:rPr lang="en-US" sz="1200" dirty="0"/>
-              <a:t>Accountable To</a:t>
+              <a:t>Day job accountable to</a:t>
             </a:r>
           </a:p>
         </p:txBody>
@@ -3869,8 +3805,8 @@
         </p:nvCxnSpPr>
         <p:spPr>
           <a:xfrm flipH="1">
-            <a:off x="3853262" y="1663151"/>
-            <a:ext cx="1684332" cy="704033"/>
+            <a:off x="4001718" y="1345099"/>
+            <a:ext cx="1535876" cy="965711"/>
           </a:xfrm>
           <a:prstGeom prst="straightConnector1">
             <a:avLst/>
@@ -3908,7 +3844,7 @@
         </p:nvSpPr>
         <p:spPr>
           <a:xfrm rot="20228513">
-            <a:off x="4052726" y="1849841"/>
+            <a:off x="4052726" y="1531789"/>
             <a:ext cx="683385" cy="276999"/>
           </a:xfrm>
           <a:prstGeom prst="rect">
@@ -3947,8 +3883,8 @@
         </p:nvCxnSpPr>
         <p:spPr>
           <a:xfrm flipH="1">
-            <a:off x="5537594" y="3124866"/>
-            <a:ext cx="1079619" cy="704033"/>
+            <a:off x="5686050" y="3068492"/>
+            <a:ext cx="1079619" cy="965711"/>
           </a:xfrm>
           <a:prstGeom prst="straightConnector1">
             <a:avLst/>
@@ -3986,7 +3922,7 @@
         </p:nvSpPr>
         <p:spPr>
           <a:xfrm rot="19512614">
-            <a:off x="5566978" y="3272195"/>
+            <a:off x="5715434" y="3215821"/>
             <a:ext cx="683385" cy="276999"/>
           </a:xfrm>
           <a:prstGeom prst="rect">
@@ -4025,12 +3961,12 @@
         </p:nvCxnSpPr>
         <p:spPr>
           <a:xfrm rot="10800000" flipH="1">
-            <a:off x="3183593" y="1284311"/>
-            <a:ext cx="1684332" cy="1461715"/>
+            <a:off x="3332049" y="966259"/>
+            <a:ext cx="1535876" cy="1723393"/>
           </a:xfrm>
           <a:prstGeom prst="curvedConnector3">
             <a:avLst>
-              <a:gd name="adj1" fmla="val -13572"/>
+              <a:gd name="adj1" fmla="val -14884"/>
             </a:avLst>
           </a:prstGeom>
           <a:ln w="12700">
@@ -4066,7 +4002,7 @@
         </p:nvSpPr>
         <p:spPr>
           <a:xfrm rot="19937901">
-            <a:off x="2485359" y="1248345"/>
+            <a:off x="2485359" y="930293"/>
             <a:ext cx="1183635" cy="461665"/>
           </a:xfrm>
           <a:prstGeom prst="rect">
@@ -4106,8 +4042,8 @@
         </p:nvCxnSpPr>
         <p:spPr>
           <a:xfrm rot="10800000" flipH="1">
-            <a:off x="4867924" y="2746026"/>
-            <a:ext cx="1079619" cy="1461715"/>
+            <a:off x="5016380" y="2689652"/>
+            <a:ext cx="1079619" cy="1723393"/>
           </a:xfrm>
           <a:prstGeom prst="curvedConnector3">
             <a:avLst>
@@ -4147,7 +4083,7 @@
         </p:nvSpPr>
         <p:spPr>
           <a:xfrm rot="20360028">
-            <a:off x="4576361" y="2434879"/>
+            <a:off x="4724817" y="2378505"/>
             <a:ext cx="1183635" cy="461665"/>
           </a:xfrm>
           <a:prstGeom prst="rect">
@@ -4187,8 +4123,8 @@
         </p:nvCxnSpPr>
         <p:spPr>
           <a:xfrm rot="16200000" flipH="1">
-            <a:off x="3819156" y="3158971"/>
-            <a:ext cx="1082874" cy="1014663"/>
+            <a:off x="3836773" y="3233436"/>
+            <a:ext cx="1344552" cy="1014663"/>
           </a:xfrm>
           <a:prstGeom prst="curvedConnector2">
             <a:avLst/>
@@ -4226,8 +4162,8 @@
         </p:nvSpPr>
         <p:spPr>
           <a:xfrm>
-            <a:off x="3681143" y="3876605"/>
-            <a:ext cx="1079618" cy="461665"/>
+            <a:off x="3582876" y="3999894"/>
+            <a:ext cx="1186780" cy="646331"/>
           </a:xfrm>
           <a:prstGeom prst="rect">
             <a:avLst/>
@@ -4243,6 +4179,12 @@
             <a:r>
               <a:rPr lang="en-US" sz="1200" dirty="0"/>
               <a:t>Holds accountable</a:t>
+            </a:r>
+          </a:p>
+          <a:p>
+            <a:r>
+              <a:rPr lang="en-US" sz="1200" dirty="0"/>
+              <a:t>for InnerSource</a:t>
             </a:r>
           </a:p>
         </p:txBody>
@@ -4265,7 +4207,7 @@
         </p:nvCxnSpPr>
         <p:spPr>
           <a:xfrm rot="5400000" flipH="1" flipV="1">
-            <a:off x="6123425" y="3621908"/>
+            <a:off x="6271881" y="3827212"/>
             <a:ext cx="378841" cy="1550505"/>
           </a:xfrm>
           <a:prstGeom prst="curvedConnector4">
@@ -4307,8 +4249,8 @@
         </p:nvSpPr>
         <p:spPr>
           <a:xfrm>
-            <a:off x="5407733" y="4802270"/>
-            <a:ext cx="1339336" cy="276999"/>
+            <a:off x="5556189" y="5007574"/>
+            <a:ext cx="1339336" cy="461665"/>
           </a:xfrm>
           <a:prstGeom prst="rect">
             <a:avLst/>
@@ -4325,6 +4267,85 @@
             <a:r>
               <a:rPr lang="en-US" sz="1200" dirty="0"/>
               <a:t>Holds accountable</a:t>
+            </a:r>
+          </a:p>
+          <a:p>
+            <a:pPr algn="ctr"/>
+            <a:r>
+              <a:rPr lang="en-US" sz="1200" dirty="0"/>
+              <a:t>for InnerSource</a:t>
+            </a:r>
+          </a:p>
+        </p:txBody>
+      </p:sp>
+      <p:sp>
+        <p:nvSpPr>
+          <p:cNvPr id="14" name="TextBox 13">
+            <a:extLst>
+              <a:ext uri="{FF2B5EF4-FFF2-40B4-BE49-F238E27FC236}">
+                <a16:creationId xmlns:a16="http://schemas.microsoft.com/office/drawing/2014/main" id="{F6EBBEEC-C941-8795-C9C3-F8CAB7B797FB}"/>
+              </a:ext>
+            </a:extLst>
+          </p:cNvPr>
+          <p:cNvSpPr txBox="1"/>
+          <p:nvPr/>
+        </p:nvSpPr>
+        <p:spPr>
+          <a:xfrm rot="1755757">
+            <a:off x="7203795" y="3229087"/>
+            <a:ext cx="1160891" cy="461665"/>
+          </a:xfrm>
+          <a:prstGeom prst="rect">
+            <a:avLst/>
+          </a:prstGeom>
+          <a:noFill/>
+        </p:spPr>
+        <p:txBody>
+          <a:bodyPr wrap="square" rtlCol="0">
+            <a:spAutoFit/>
+          </a:bodyPr>
+          <a:lstStyle/>
+          <a:p>
+            <a:pPr algn="ctr"/>
+            <a:r>
+              <a:rPr lang="en-US" sz="1200" dirty="0"/>
+              <a:t>Day job accountable to</a:t>
+            </a:r>
+          </a:p>
+        </p:txBody>
+      </p:sp>
+      <p:sp>
+        <p:nvSpPr>
+          <p:cNvPr id="15" name="TextBox 14">
+            <a:extLst>
+              <a:ext uri="{FF2B5EF4-FFF2-40B4-BE49-F238E27FC236}">
+                <a16:creationId xmlns:a16="http://schemas.microsoft.com/office/drawing/2014/main" id="{C5D3E354-A051-61A7-7417-B14BF870CDA3}"/>
+              </a:ext>
+            </a:extLst>
+          </p:cNvPr>
+          <p:cNvSpPr txBox="1"/>
+          <p:nvPr/>
+        </p:nvSpPr>
+        <p:spPr>
+          <a:xfrm rot="1755757">
+            <a:off x="8386939" y="4956979"/>
+            <a:ext cx="1160891" cy="461665"/>
+          </a:xfrm>
+          <a:prstGeom prst="rect">
+            <a:avLst/>
+          </a:prstGeom>
+          <a:noFill/>
+        </p:spPr>
+        <p:txBody>
+          <a:bodyPr wrap="square" rtlCol="0">
+            <a:spAutoFit/>
+          </a:bodyPr>
+          <a:lstStyle/>
+          <a:p>
+            <a:pPr algn="ctr"/>
+            <a:r>
+              <a:rPr lang="en-US" sz="1200" dirty="0"/>
+              <a:t>Day job accountable to</a:t>
             </a:r>
           </a:p>
         </p:txBody>

--- a/resources/Competency Roles.pptx
+++ b/resources/Competency Roles.pptx
@@ -259,7 +259,7 @@
           <a:p>
             <a:fld id="{4E252D9C-99D4-44C1-BE02-E21455590267}" type="datetimeFigureOut">
               <a:rPr lang="en-US" smtClean="0"/>
-              <a:t>11/2/2022</a:t>
+              <a:t>11/17/2022</a:t>
             </a:fld>
             <a:endParaRPr lang="en-US"/>
           </a:p>
@@ -457,7 +457,7 @@
           <a:p>
             <a:fld id="{4E252D9C-99D4-44C1-BE02-E21455590267}" type="datetimeFigureOut">
               <a:rPr lang="en-US" smtClean="0"/>
-              <a:t>11/2/2022</a:t>
+              <a:t>11/17/2022</a:t>
             </a:fld>
             <a:endParaRPr lang="en-US"/>
           </a:p>
@@ -665,7 +665,7 @@
           <a:p>
             <a:fld id="{4E252D9C-99D4-44C1-BE02-E21455590267}" type="datetimeFigureOut">
               <a:rPr lang="en-US" smtClean="0"/>
-              <a:t>11/2/2022</a:t>
+              <a:t>11/17/2022</a:t>
             </a:fld>
             <a:endParaRPr lang="en-US"/>
           </a:p>
@@ -863,7 +863,7 @@
           <a:p>
             <a:fld id="{4E252D9C-99D4-44C1-BE02-E21455590267}" type="datetimeFigureOut">
               <a:rPr lang="en-US" smtClean="0"/>
-              <a:t>11/2/2022</a:t>
+              <a:t>11/17/2022</a:t>
             </a:fld>
             <a:endParaRPr lang="en-US"/>
           </a:p>
@@ -1138,7 +1138,7 @@
           <a:p>
             <a:fld id="{4E252D9C-99D4-44C1-BE02-E21455590267}" type="datetimeFigureOut">
               <a:rPr lang="en-US" smtClean="0"/>
-              <a:t>11/2/2022</a:t>
+              <a:t>11/17/2022</a:t>
             </a:fld>
             <a:endParaRPr lang="en-US"/>
           </a:p>
@@ -1403,7 +1403,7 @@
           <a:p>
             <a:fld id="{4E252D9C-99D4-44C1-BE02-E21455590267}" type="datetimeFigureOut">
               <a:rPr lang="en-US" smtClean="0"/>
-              <a:t>11/2/2022</a:t>
+              <a:t>11/17/2022</a:t>
             </a:fld>
             <a:endParaRPr lang="en-US"/>
           </a:p>
@@ -1815,7 +1815,7 @@
           <a:p>
             <a:fld id="{4E252D9C-99D4-44C1-BE02-E21455590267}" type="datetimeFigureOut">
               <a:rPr lang="en-US" smtClean="0"/>
-              <a:t>11/2/2022</a:t>
+              <a:t>11/17/2022</a:t>
             </a:fld>
             <a:endParaRPr lang="en-US"/>
           </a:p>
@@ -1956,7 +1956,7 @@
           <a:p>
             <a:fld id="{4E252D9C-99D4-44C1-BE02-E21455590267}" type="datetimeFigureOut">
               <a:rPr lang="en-US" smtClean="0"/>
-              <a:t>11/2/2022</a:t>
+              <a:t>11/17/2022</a:t>
             </a:fld>
             <a:endParaRPr lang="en-US"/>
           </a:p>
@@ -2069,7 +2069,7 @@
           <a:p>
             <a:fld id="{4E252D9C-99D4-44C1-BE02-E21455590267}" type="datetimeFigureOut">
               <a:rPr lang="en-US" smtClean="0"/>
-              <a:t>11/2/2022</a:t>
+              <a:t>11/17/2022</a:t>
             </a:fld>
             <a:endParaRPr lang="en-US"/>
           </a:p>
@@ -2380,7 +2380,7 @@
           <a:p>
             <a:fld id="{4E252D9C-99D4-44C1-BE02-E21455590267}" type="datetimeFigureOut">
               <a:rPr lang="en-US" smtClean="0"/>
-              <a:t>11/2/2022</a:t>
+              <a:t>11/17/2022</a:t>
             </a:fld>
             <a:endParaRPr lang="en-US"/>
           </a:p>
@@ -2668,7 +2668,7 @@
           <a:p>
             <a:fld id="{4E252D9C-99D4-44C1-BE02-E21455590267}" type="datetimeFigureOut">
               <a:rPr lang="en-US" smtClean="0"/>
-              <a:t>11/2/2022</a:t>
+              <a:t>11/17/2022</a:t>
             </a:fld>
             <a:endParaRPr lang="en-US"/>
           </a:p>
@@ -2909,7 +2909,7 @@
           <a:p>
             <a:fld id="{4E252D9C-99D4-44C1-BE02-E21455590267}" type="datetimeFigureOut">
               <a:rPr lang="en-US" smtClean="0"/>
-              <a:t>11/2/2022</a:t>
+              <a:t>11/17/2022</a:t>
             </a:fld>
             <a:endParaRPr lang="en-US"/>
           </a:p>
@@ -3328,6 +3328,336 @@
       </p:grpSpPr>
       <p:sp>
         <p:nvSpPr>
+          <p:cNvPr id="32" name="Rectangle 31">
+            <a:extLst>
+              <a:ext uri="{FF2B5EF4-FFF2-40B4-BE49-F238E27FC236}">
+                <a16:creationId xmlns:a16="http://schemas.microsoft.com/office/drawing/2014/main" id="{B097525D-D404-D59A-5022-AE70D09E9AAC}"/>
+              </a:ext>
+            </a:extLst>
+          </p:cNvPr>
+          <p:cNvSpPr/>
+          <p:nvPr/>
+        </p:nvSpPr>
+        <p:spPr>
+          <a:xfrm>
+            <a:off x="8506405" y="5640037"/>
+            <a:ext cx="1339337" cy="757682"/>
+          </a:xfrm>
+          <a:prstGeom prst="rect">
+            <a:avLst/>
+          </a:prstGeom>
+          <a:solidFill>
+            <a:schemeClr val="accent1">
+              <a:lumMod val="20000"/>
+              <a:lumOff val="80000"/>
+            </a:schemeClr>
+          </a:solidFill>
+          <a:ln>
+            <a:prstDash val="sysDash"/>
+          </a:ln>
+        </p:spPr>
+        <p:style>
+          <a:lnRef idx="2">
+            <a:schemeClr val="accent1">
+              <a:shade val="50000"/>
+            </a:schemeClr>
+          </a:lnRef>
+          <a:fillRef idx="1">
+            <a:schemeClr val="accent1"/>
+          </a:fillRef>
+          <a:effectRef idx="0">
+            <a:schemeClr val="accent1"/>
+          </a:effectRef>
+          <a:fontRef idx="minor">
+            <a:schemeClr val="lt1"/>
+          </a:fontRef>
+        </p:style>
+        <p:txBody>
+          <a:bodyPr rtlCol="0" anchor="ctr"/>
+          <a:lstStyle/>
+          <a:p>
+            <a:pPr algn="ctr"/>
+            <a:endParaRPr lang="en-US" dirty="0"/>
+          </a:p>
+        </p:txBody>
+      </p:sp>
+      <p:sp>
+        <p:nvSpPr>
+          <p:cNvPr id="34" name="Rectangle 33">
+            <a:extLst>
+              <a:ext uri="{FF2B5EF4-FFF2-40B4-BE49-F238E27FC236}">
+                <a16:creationId xmlns:a16="http://schemas.microsoft.com/office/drawing/2014/main" id="{9DAA5F7A-422C-B30B-E846-DADFC91E2338}"/>
+              </a:ext>
+            </a:extLst>
+          </p:cNvPr>
+          <p:cNvSpPr/>
+          <p:nvPr/>
+        </p:nvSpPr>
+        <p:spPr>
+          <a:xfrm>
+            <a:off x="8456682" y="5697626"/>
+            <a:ext cx="1339337" cy="757682"/>
+          </a:xfrm>
+          <a:prstGeom prst="rect">
+            <a:avLst/>
+          </a:prstGeom>
+          <a:solidFill>
+            <a:schemeClr val="accent1">
+              <a:lumMod val="60000"/>
+              <a:lumOff val="40000"/>
+            </a:schemeClr>
+          </a:solidFill>
+          <a:ln>
+            <a:prstDash val="dash"/>
+          </a:ln>
+        </p:spPr>
+        <p:style>
+          <a:lnRef idx="2">
+            <a:schemeClr val="accent1">
+              <a:shade val="50000"/>
+            </a:schemeClr>
+          </a:lnRef>
+          <a:fillRef idx="1">
+            <a:schemeClr val="accent1"/>
+          </a:fillRef>
+          <a:effectRef idx="0">
+            <a:schemeClr val="accent1"/>
+          </a:effectRef>
+          <a:fontRef idx="minor">
+            <a:schemeClr val="lt1"/>
+          </a:fontRef>
+        </p:style>
+        <p:txBody>
+          <a:bodyPr rtlCol="0" anchor="ctr"/>
+          <a:lstStyle/>
+          <a:p>
+            <a:pPr algn="ctr"/>
+            <a:endParaRPr lang="en-US" dirty="0"/>
+          </a:p>
+        </p:txBody>
+      </p:sp>
+      <p:sp>
+        <p:nvSpPr>
+          <p:cNvPr id="30" name="Rectangle 29">
+            <a:extLst>
+              <a:ext uri="{FF2B5EF4-FFF2-40B4-BE49-F238E27FC236}">
+                <a16:creationId xmlns:a16="http://schemas.microsoft.com/office/drawing/2014/main" id="{8B337884-ED6E-B3D6-3E98-3538E0F8BE08}"/>
+              </a:ext>
+            </a:extLst>
+          </p:cNvPr>
+          <p:cNvSpPr/>
+          <p:nvPr/>
+        </p:nvSpPr>
+        <p:spPr>
+          <a:xfrm>
+            <a:off x="7337586" y="3920315"/>
+            <a:ext cx="1339337" cy="757682"/>
+          </a:xfrm>
+          <a:prstGeom prst="rect">
+            <a:avLst/>
+          </a:prstGeom>
+          <a:solidFill>
+            <a:schemeClr val="accent1">
+              <a:lumMod val="20000"/>
+              <a:lumOff val="80000"/>
+            </a:schemeClr>
+          </a:solidFill>
+          <a:ln>
+            <a:prstDash val="sysDash"/>
+          </a:ln>
+        </p:spPr>
+        <p:style>
+          <a:lnRef idx="2">
+            <a:schemeClr val="accent1">
+              <a:shade val="50000"/>
+            </a:schemeClr>
+          </a:lnRef>
+          <a:fillRef idx="1">
+            <a:schemeClr val="accent1"/>
+          </a:fillRef>
+          <a:effectRef idx="0">
+            <a:schemeClr val="accent1"/>
+          </a:effectRef>
+          <a:fontRef idx="minor">
+            <a:schemeClr val="lt1"/>
+          </a:fontRef>
+        </p:style>
+        <p:txBody>
+          <a:bodyPr rtlCol="0" anchor="ctr"/>
+          <a:lstStyle/>
+          <a:p>
+            <a:pPr algn="ctr"/>
+            <a:endParaRPr lang="en-US" dirty="0"/>
+          </a:p>
+        </p:txBody>
+      </p:sp>
+      <p:sp>
+        <p:nvSpPr>
+          <p:cNvPr id="31" name="Rectangle 30">
+            <a:extLst>
+              <a:ext uri="{FF2B5EF4-FFF2-40B4-BE49-F238E27FC236}">
+                <a16:creationId xmlns:a16="http://schemas.microsoft.com/office/drawing/2014/main" id="{015CB911-6B3A-FBD4-3E2C-796ADD17476C}"/>
+              </a:ext>
+            </a:extLst>
+          </p:cNvPr>
+          <p:cNvSpPr/>
+          <p:nvPr/>
+        </p:nvSpPr>
+        <p:spPr>
+          <a:xfrm>
+            <a:off x="7287863" y="3977904"/>
+            <a:ext cx="1339337" cy="757682"/>
+          </a:xfrm>
+          <a:prstGeom prst="rect">
+            <a:avLst/>
+          </a:prstGeom>
+          <a:solidFill>
+            <a:schemeClr val="accent1">
+              <a:lumMod val="60000"/>
+              <a:lumOff val="40000"/>
+            </a:schemeClr>
+          </a:solidFill>
+          <a:ln>
+            <a:prstDash val="dash"/>
+          </a:ln>
+        </p:spPr>
+        <p:style>
+          <a:lnRef idx="2">
+            <a:schemeClr val="accent1">
+              <a:shade val="50000"/>
+            </a:schemeClr>
+          </a:lnRef>
+          <a:fillRef idx="1">
+            <a:schemeClr val="accent1"/>
+          </a:fillRef>
+          <a:effectRef idx="0">
+            <a:schemeClr val="accent1"/>
+          </a:effectRef>
+          <a:fontRef idx="minor">
+            <a:schemeClr val="lt1"/>
+          </a:fontRef>
+        </p:style>
+        <p:txBody>
+          <a:bodyPr rtlCol="0" anchor="ctr"/>
+          <a:lstStyle/>
+          <a:p>
+            <a:pPr algn="ctr"/>
+            <a:endParaRPr lang="en-US" dirty="0"/>
+          </a:p>
+        </p:txBody>
+      </p:sp>
+      <p:sp>
+        <p:nvSpPr>
+          <p:cNvPr id="29" name="Rectangle 28">
+            <a:extLst>
+              <a:ext uri="{FF2B5EF4-FFF2-40B4-BE49-F238E27FC236}">
+                <a16:creationId xmlns:a16="http://schemas.microsoft.com/office/drawing/2014/main" id="{2ED93F70-6C57-57B9-FFDF-60A4E4CC20FE}"/>
+              </a:ext>
+            </a:extLst>
+          </p:cNvPr>
+          <p:cNvSpPr/>
+          <p:nvPr/>
+        </p:nvSpPr>
+        <p:spPr>
+          <a:xfrm>
+            <a:off x="6201355" y="2195633"/>
+            <a:ext cx="1339337" cy="757682"/>
+          </a:xfrm>
+          <a:prstGeom prst="rect">
+            <a:avLst/>
+          </a:prstGeom>
+          <a:solidFill>
+            <a:schemeClr val="accent1">
+              <a:lumMod val="20000"/>
+              <a:lumOff val="80000"/>
+            </a:schemeClr>
+          </a:solidFill>
+          <a:ln>
+            <a:prstDash val="sysDash"/>
+          </a:ln>
+        </p:spPr>
+        <p:style>
+          <a:lnRef idx="2">
+            <a:schemeClr val="accent1">
+              <a:shade val="50000"/>
+            </a:schemeClr>
+          </a:lnRef>
+          <a:fillRef idx="1">
+            <a:schemeClr val="accent1"/>
+          </a:fillRef>
+          <a:effectRef idx="0">
+            <a:schemeClr val="accent1"/>
+          </a:effectRef>
+          <a:fontRef idx="minor">
+            <a:schemeClr val="lt1"/>
+          </a:fontRef>
+        </p:style>
+        <p:txBody>
+          <a:bodyPr rtlCol="0" anchor="ctr"/>
+          <a:lstStyle/>
+          <a:p>
+            <a:pPr algn="ctr"/>
+            <a:endParaRPr lang="en-US" dirty="0"/>
+          </a:p>
+        </p:txBody>
+      </p:sp>
+      <p:sp>
+        <p:nvSpPr>
+          <p:cNvPr id="26" name="Rectangle 25">
+            <a:extLst>
+              <a:ext uri="{FF2B5EF4-FFF2-40B4-BE49-F238E27FC236}">
+                <a16:creationId xmlns:a16="http://schemas.microsoft.com/office/drawing/2014/main" id="{BF7B2537-2261-2F45-DA0C-CBE0276877E2}"/>
+              </a:ext>
+            </a:extLst>
+          </p:cNvPr>
+          <p:cNvSpPr/>
+          <p:nvPr/>
+        </p:nvSpPr>
+        <p:spPr>
+          <a:xfrm>
+            <a:off x="6151632" y="2253222"/>
+            <a:ext cx="1339337" cy="757682"/>
+          </a:xfrm>
+          <a:prstGeom prst="rect">
+            <a:avLst/>
+          </a:prstGeom>
+          <a:solidFill>
+            <a:schemeClr val="accent1">
+              <a:lumMod val="60000"/>
+              <a:lumOff val="40000"/>
+            </a:schemeClr>
+          </a:solidFill>
+          <a:ln>
+            <a:prstDash val="dash"/>
+          </a:ln>
+        </p:spPr>
+        <p:style>
+          <a:lnRef idx="2">
+            <a:schemeClr val="accent1">
+              <a:shade val="50000"/>
+            </a:schemeClr>
+          </a:lnRef>
+          <a:fillRef idx="1">
+            <a:schemeClr val="accent1"/>
+          </a:fillRef>
+          <a:effectRef idx="0">
+            <a:schemeClr val="accent1"/>
+          </a:effectRef>
+          <a:fontRef idx="minor">
+            <a:schemeClr val="lt1"/>
+          </a:fontRef>
+        </p:style>
+        <p:txBody>
+          <a:bodyPr rtlCol="0" anchor="ctr"/>
+          <a:lstStyle/>
+          <a:p>
+            <a:pPr algn="ctr"/>
+            <a:endParaRPr lang="en-US" dirty="0"/>
+          </a:p>
+        </p:txBody>
+      </p:sp>
+      <p:sp>
+        <p:nvSpPr>
           <p:cNvPr id="4" name="Rectangle 3">
             <a:extLst>
               <a:ext uri="{FF2B5EF4-FFF2-40B4-BE49-F238E27FC236}">
@@ -4292,7 +4622,7 @@
         </p:nvSpPr>
         <p:spPr>
           <a:xfrm rot="1755757">
-            <a:off x="7203795" y="3229087"/>
+            <a:off x="7203795" y="3229086"/>
             <a:ext cx="1160891" cy="461665"/>
           </a:xfrm>
           <a:prstGeom prst="rect">
